--- a/instructions2.pptx
+++ b/instructions2.pptx
@@ -3409,15 +3409,7 @@
             </a:pPr>
             <a:r>
               <a:rPr lang="he-IL" dirty="0"/>
-              <a:t>מטר</a:t>
-            </a:r>
-            <a:r>
-              <a:rPr lang="en-US" dirty="0"/>
-              <a:t>:</a:t>
-            </a:r>
-            <a:r>
-              <a:rPr lang="he-IL" dirty="0"/>
-              <a:t> לעבור את המכשולים ולצאת מהמבוך.</a:t>
+              <a:t>מטרה: לעבור את המכשולים ולצאת מהמבוך.</a:t>
             </a:r>
           </a:p>
           <a:p>

--- a/instructions2.pptx
+++ b/instructions2.pptx
@@ -261,7 +261,7 @@
           <a:p>
             <a:fld id="{73EE768A-FA42-404E-8508-9570ACE18370}" type="datetimeFigureOut">
               <a:rPr lang="en-US" smtClean="0"/>
-              <a:t>8/14/2019</a:t>
+              <a:t>8/15/2019</a:t>
             </a:fld>
             <a:endParaRPr lang="en-US"/>
           </a:p>
@@ -461,7 +461,7 @@
           <a:p>
             <a:fld id="{73EE768A-FA42-404E-8508-9570ACE18370}" type="datetimeFigureOut">
               <a:rPr lang="en-US" smtClean="0"/>
-              <a:t>8/14/2019</a:t>
+              <a:t>8/15/2019</a:t>
             </a:fld>
             <a:endParaRPr lang="en-US"/>
           </a:p>
@@ -671,7 +671,7 @@
           <a:p>
             <a:fld id="{73EE768A-FA42-404E-8508-9570ACE18370}" type="datetimeFigureOut">
               <a:rPr lang="en-US" smtClean="0"/>
-              <a:t>8/14/2019</a:t>
+              <a:t>8/15/2019</a:t>
             </a:fld>
             <a:endParaRPr lang="en-US"/>
           </a:p>
@@ -871,7 +871,7 @@
           <a:p>
             <a:fld id="{73EE768A-FA42-404E-8508-9570ACE18370}" type="datetimeFigureOut">
               <a:rPr lang="en-US" smtClean="0"/>
-              <a:t>8/14/2019</a:t>
+              <a:t>8/15/2019</a:t>
             </a:fld>
             <a:endParaRPr lang="en-US"/>
           </a:p>
@@ -1147,7 +1147,7 @@
           <a:p>
             <a:fld id="{73EE768A-FA42-404E-8508-9570ACE18370}" type="datetimeFigureOut">
               <a:rPr lang="en-US" smtClean="0"/>
-              <a:t>8/14/2019</a:t>
+              <a:t>8/15/2019</a:t>
             </a:fld>
             <a:endParaRPr lang="en-US"/>
           </a:p>
@@ -1415,7 +1415,7 @@
           <a:p>
             <a:fld id="{73EE768A-FA42-404E-8508-9570ACE18370}" type="datetimeFigureOut">
               <a:rPr lang="en-US" smtClean="0"/>
-              <a:t>8/14/2019</a:t>
+              <a:t>8/15/2019</a:t>
             </a:fld>
             <a:endParaRPr lang="en-US"/>
           </a:p>
@@ -1830,7 +1830,7 @@
           <a:p>
             <a:fld id="{73EE768A-FA42-404E-8508-9570ACE18370}" type="datetimeFigureOut">
               <a:rPr lang="en-US" smtClean="0"/>
-              <a:t>8/14/2019</a:t>
+              <a:t>8/15/2019</a:t>
             </a:fld>
             <a:endParaRPr lang="en-US"/>
           </a:p>
@@ -1972,7 +1972,7 @@
           <a:p>
             <a:fld id="{73EE768A-FA42-404E-8508-9570ACE18370}" type="datetimeFigureOut">
               <a:rPr lang="en-US" smtClean="0"/>
-              <a:t>8/14/2019</a:t>
+              <a:t>8/15/2019</a:t>
             </a:fld>
             <a:endParaRPr lang="en-US"/>
           </a:p>
@@ -2085,7 +2085,7 @@
           <a:p>
             <a:fld id="{73EE768A-FA42-404E-8508-9570ACE18370}" type="datetimeFigureOut">
               <a:rPr lang="en-US" smtClean="0"/>
-              <a:t>8/14/2019</a:t>
+              <a:t>8/15/2019</a:t>
             </a:fld>
             <a:endParaRPr lang="en-US"/>
           </a:p>
@@ -2398,7 +2398,7 @@
           <a:p>
             <a:fld id="{73EE768A-FA42-404E-8508-9570ACE18370}" type="datetimeFigureOut">
               <a:rPr lang="en-US" smtClean="0"/>
-              <a:t>8/14/2019</a:t>
+              <a:t>8/15/2019</a:t>
             </a:fld>
             <a:endParaRPr lang="en-US"/>
           </a:p>
@@ -2687,7 +2687,7 @@
           <a:p>
             <a:fld id="{73EE768A-FA42-404E-8508-9570ACE18370}" type="datetimeFigureOut">
               <a:rPr lang="en-US" smtClean="0"/>
-              <a:t>8/14/2019</a:t>
+              <a:t>8/15/2019</a:t>
             </a:fld>
             <a:endParaRPr lang="en-US"/>
           </a:p>
@@ -2930,7 +2930,7 @@
           <a:p>
             <a:fld id="{73EE768A-FA42-404E-8508-9570ACE18370}" type="datetimeFigureOut">
               <a:rPr lang="en-US" smtClean="0"/>
-              <a:t>8/14/2019</a:t>
+              <a:t>8/15/2019</a:t>
             </a:fld>
             <a:endParaRPr lang="en-US"/>
           </a:p>
@@ -3370,7 +3370,7 @@
         <p:spPr>
           <a:xfrm>
             <a:off x="1371665" y="93841"/>
-            <a:ext cx="9196251" cy="6163995"/>
+            <a:ext cx="9196251" cy="6994992"/>
           </a:xfrm>
           <a:prstGeom prst="rect">
             <a:avLst/>
@@ -3518,28 +3518,51 @@
           <a:p>
             <a:pPr>
               <a:lnSpc>
+                <a:spcPct val="150000"/>
+              </a:lnSpc>
+            </a:pPr>
+            <a:r>
+              <a:rPr lang="he-IL" dirty="0"/>
+              <a:t>                   </a:t>
+            </a:r>
+            <a:r>
+              <a:rPr lang="en-US" dirty="0"/>
+              <a:t>         </a:t>
+            </a:r>
+            <a:r>
+              <a:rPr lang="he-IL" dirty="0"/>
+              <a:t> </a:t>
+            </a:r>
+            <a:r>
+              <a:rPr lang="en-US" dirty="0"/>
+              <a:t>  -</a:t>
+            </a:r>
+            <a:r>
+              <a:rPr lang="he-IL" dirty="0"/>
+              <a:t>פורטל. מעבר דרכו מעביר לשלב הבא.  </a:t>
+            </a:r>
+          </a:p>
+          <a:p>
+            <a:pPr>
+              <a:lnSpc>
+                <a:spcPct val="150000"/>
+              </a:lnSpc>
+            </a:pPr>
+            <a:endParaRPr lang="en-US" dirty="0"/>
+          </a:p>
+          <a:p>
+            <a:pPr>
+              <a:lnSpc>
                 <a:spcPct val="200000"/>
               </a:lnSpc>
             </a:pPr>
             <a:r>
               <a:rPr lang="he-IL" dirty="0"/>
-              <a:t>                   </a:t>
-            </a:r>
-            <a:r>
-              <a:rPr lang="en-US" dirty="0"/>
-              <a:t>         </a:t>
-            </a:r>
-            <a:r>
-              <a:rPr lang="he-IL" dirty="0"/>
-              <a:t> </a:t>
-            </a:r>
-            <a:r>
-              <a:rPr lang="en-US" dirty="0"/>
-              <a:t>  -</a:t>
-            </a:r>
-            <a:r>
-              <a:rPr lang="he-IL" dirty="0"/>
-              <a:t>פורטל. מעבר דרכו מעביר לשלב הבא.  </a:t>
+              <a:t>  </a:t>
+            </a:r>
+            <a:r>
+              <a:rPr lang="he-IL" b="1" dirty="0"/>
+              <a:t>* מומלץ להפעיל רמקולים!</a:t>
             </a:r>
           </a:p>
           <a:p>
